--- a/presentationready - immigration_trends_ppt.pptx
+++ b/presentationready - immigration_trends_ppt.pptx
@@ -475,7 +475,7 @@
           <a:p>
             <a:fld id="{241EB5C9-1307-BA42-ABA2-0BC069CD8E7F}" type="datetimeFigureOut">
               <a:rPr lang="en-US" smtClean="0"/>
-              <a:t>4/21/2025</a:t>
+              <a:t>5/3/25</a:t>
             </a:fld>
             <a:endParaRPr lang="en-US"/>
           </a:p>
@@ -799,7 +799,7 @@
           <a:p>
             <a:fld id="{241EB5C9-1307-BA42-ABA2-0BC069CD8E7F}" type="datetimeFigureOut">
               <a:rPr lang="en-US" smtClean="0"/>
-              <a:t>4/21/2025</a:t>
+              <a:t>5/3/25</a:t>
             </a:fld>
             <a:endParaRPr lang="en-US"/>
           </a:p>
@@ -1047,7 +1047,7 @@
           <a:p>
             <a:fld id="{241EB5C9-1307-BA42-ABA2-0BC069CD8E7F}" type="datetimeFigureOut">
               <a:rPr lang="en-US" smtClean="0"/>
-              <a:t>4/21/2025</a:t>
+              <a:t>5/3/25</a:t>
             </a:fld>
             <a:endParaRPr lang="en-US"/>
           </a:p>
@@ -1386,7 +1386,7 @@
           <a:p>
             <a:fld id="{241EB5C9-1307-BA42-ABA2-0BC069CD8E7F}" type="datetimeFigureOut">
               <a:rPr lang="en-US" smtClean="0"/>
-              <a:t>4/21/2025</a:t>
+              <a:t>5/3/25</a:t>
             </a:fld>
             <a:endParaRPr lang="en-US"/>
           </a:p>
@@ -1733,7 +1733,7 @@
           <a:p>
             <a:fld id="{241EB5C9-1307-BA42-ABA2-0BC069CD8E7F}" type="datetimeFigureOut">
               <a:rPr lang="en-US" smtClean="0"/>
-              <a:t>4/21/2025</a:t>
+              <a:t>5/3/25</a:t>
             </a:fld>
             <a:endParaRPr lang="en-US"/>
           </a:p>
@@ -2107,7 +2107,7 @@
           <a:p>
             <a:fld id="{241EB5C9-1307-BA42-ABA2-0BC069CD8E7F}" type="datetimeFigureOut">
               <a:rPr lang="en-US" smtClean="0"/>
-              <a:t>4/21/2025</a:t>
+              <a:t>5/3/25</a:t>
             </a:fld>
             <a:endParaRPr lang="en-US"/>
           </a:p>
@@ -2577,7 +2577,7 @@
           <a:p>
             <a:fld id="{241EB5C9-1307-BA42-ABA2-0BC069CD8E7F}" type="datetimeFigureOut">
               <a:rPr lang="en-US" smtClean="0"/>
-              <a:t>4/21/2025</a:t>
+              <a:t>5/3/25</a:t>
             </a:fld>
             <a:endParaRPr lang="en-US"/>
           </a:p>
@@ -2782,7 +2782,7 @@
           <a:p>
             <a:fld id="{241EB5C9-1307-BA42-ABA2-0BC069CD8E7F}" type="datetimeFigureOut">
               <a:rPr lang="en-US" smtClean="0"/>
-              <a:t>4/21/2025</a:t>
+              <a:t>5/3/25</a:t>
             </a:fld>
             <a:endParaRPr lang="en-US"/>
           </a:p>
@@ -2993,7 +2993,7 @@
           <a:p>
             <a:fld id="{241EB5C9-1307-BA42-ABA2-0BC069CD8E7F}" type="datetimeFigureOut">
               <a:rPr lang="en-US" smtClean="0"/>
-              <a:t>4/21/2025</a:t>
+              <a:t>5/3/25</a:t>
             </a:fld>
             <a:endParaRPr lang="en-US"/>
           </a:p>
@@ -3225,7 +3225,7 @@
           <a:p>
             <a:fld id="{241EB5C9-1307-BA42-ABA2-0BC069CD8E7F}" type="datetimeFigureOut">
               <a:rPr lang="en-US" smtClean="0"/>
-              <a:t>4/21/2025</a:t>
+              <a:t>5/3/25</a:t>
             </a:fld>
             <a:endParaRPr lang="en-US"/>
           </a:p>
@@ -3473,7 +3473,7 @@
           <a:p>
             <a:fld id="{241EB5C9-1307-BA42-ABA2-0BC069CD8E7F}" type="datetimeFigureOut">
               <a:rPr lang="en-US" smtClean="0"/>
-              <a:t>4/21/2025</a:t>
+              <a:t>5/3/25</a:t>
             </a:fld>
             <a:endParaRPr lang="en-US"/>
           </a:p>
@@ -3771,7 +3771,7 @@
           <a:p>
             <a:fld id="{241EB5C9-1307-BA42-ABA2-0BC069CD8E7F}" type="datetimeFigureOut">
               <a:rPr lang="en-US" smtClean="0"/>
-              <a:t>4/21/2025</a:t>
+              <a:t>5/3/25</a:t>
             </a:fld>
             <a:endParaRPr lang="en-US"/>
           </a:p>
@@ -4165,7 +4165,7 @@
           <a:p>
             <a:fld id="{241EB5C9-1307-BA42-ABA2-0BC069CD8E7F}" type="datetimeFigureOut">
               <a:rPr lang="en-US" smtClean="0"/>
-              <a:t>4/21/2025</a:t>
+              <a:t>5/3/25</a:t>
             </a:fld>
             <a:endParaRPr lang="en-US"/>
           </a:p>
@@ -4314,7 +4314,7 @@
           <a:p>
             <a:fld id="{241EB5C9-1307-BA42-ABA2-0BC069CD8E7F}" type="datetimeFigureOut">
               <a:rPr lang="en-US" smtClean="0"/>
-              <a:t>4/21/2025</a:t>
+              <a:t>5/3/25</a:t>
             </a:fld>
             <a:endParaRPr lang="en-US"/>
           </a:p>
@@ -4440,7 +4440,7 @@
           <a:p>
             <a:fld id="{241EB5C9-1307-BA42-ABA2-0BC069CD8E7F}" type="datetimeFigureOut">
               <a:rPr lang="en-US" smtClean="0"/>
-              <a:t>4/21/2025</a:t>
+              <a:t>5/3/25</a:t>
             </a:fld>
             <a:endParaRPr lang="en-US"/>
           </a:p>
@@ -4695,7 +4695,7 @@
           <a:p>
             <a:fld id="{241EB5C9-1307-BA42-ABA2-0BC069CD8E7F}" type="datetimeFigureOut">
               <a:rPr lang="en-US" smtClean="0"/>
-              <a:t>4/21/2025</a:t>
+              <a:t>5/3/25</a:t>
             </a:fld>
             <a:endParaRPr lang="en-US"/>
           </a:p>
@@ -5010,7 +5010,7 @@
           <a:p>
             <a:fld id="{241EB5C9-1307-BA42-ABA2-0BC069CD8E7F}" type="datetimeFigureOut">
               <a:rPr lang="en-US" smtClean="0"/>
-              <a:t>4/21/2025</a:t>
+              <a:t>5/3/25</a:t>
             </a:fld>
             <a:endParaRPr lang="en-US"/>
           </a:p>
@@ -5361,7 +5361,7 @@
           <a:p>
             <a:fld id="{241EB5C9-1307-BA42-ABA2-0BC069CD8E7F}" type="datetimeFigureOut">
               <a:rPr lang="en-US" smtClean="0"/>
-              <a:t>4/21/2025</a:t>
+              <a:t>5/3/25</a:t>
             </a:fld>
             <a:endParaRPr lang="en-US"/>
           </a:p>
@@ -5958,7 +5958,14 @@
             <a:br/>
             <a:br/>
             <a:r>
-              <a:t>Precious M., Justin P., and Claudio D.</a:t>
+              <a:t>Precious M., Justin P., and Claudi</a:t>
+            </a:r>
+            <a:r>
+              <a:rPr lang="en-US"/>
+              <a:t>a</a:t>
+            </a:r>
+            <a:r>
+              <a:t> D.</a:t>
             </a:r>
           </a:p>
         </p:txBody>
